--- a/Machine_Learning/100 ML Introduction.pptx
+++ b/Machine_Learning/100 ML Introduction.pptx
@@ -279,7 +279,7 @@
           <a:p>
             <a:fld id="{655A5808-3B61-48CC-92EF-85AC2E0DFA56}" type="datetime2">
               <a:rPr lang="en-US" smtClean="0"/>
-              <a:t>Tuesday, July 30, 2024</a:t>
+              <a:t>Friday, August 23, 2024</a:t>
             </a:fld>
             <a:endParaRPr lang="en-US"/>
           </a:p>
@@ -477,7 +477,7 @@
           <a:p>
             <a:fld id="{735E98AF-4574-4509-BF7A-519ACD5BF826}" type="datetime2">
               <a:rPr lang="en-US" smtClean="0"/>
-              <a:t>Tuesday, July 30, 2024</a:t>
+              <a:t>Friday, August 23, 2024</a:t>
             </a:fld>
             <a:endParaRPr lang="en-US"/>
           </a:p>
@@ -687,7 +687,7 @@
           <a:p>
             <a:fld id="{93DD97D4-9636-490F-85D0-E926C2B6F3B1}" type="datetime2">
               <a:rPr lang="en-US" smtClean="0"/>
-              <a:t>Tuesday, July 30, 2024</a:t>
+              <a:t>Friday, August 23, 2024</a:t>
             </a:fld>
             <a:endParaRPr lang="en-US"/>
           </a:p>
@@ -886,7 +886,7 @@
           <a:p>
             <a:fld id="{2F3AF3C6-0FD4-4939-991C-00DDE5C56815}" type="datetime2">
               <a:rPr lang="en-US" smtClean="0"/>
-              <a:t>Tuesday, July 30, 2024</a:t>
+              <a:t>Friday, August 23, 2024</a:t>
             </a:fld>
             <a:endParaRPr lang="en-US"/>
           </a:p>
@@ -1167,7 +1167,7 @@
           <a:p>
             <a:fld id="{86807482-8128-47C6-A8DD-6452B0291CFF}" type="datetime2">
               <a:rPr lang="en-US" smtClean="0"/>
-              <a:t>Tuesday, July 30, 2024</a:t>
+              <a:t>Friday, August 23, 2024</a:t>
             </a:fld>
             <a:endParaRPr lang="en-US"/>
           </a:p>
@@ -1435,7 +1435,7 @@
           <a:p>
             <a:fld id="{37903F25-275E-41DE-BE3B-EBF0DB49F9B1}" type="datetime2">
               <a:rPr lang="en-US" smtClean="0"/>
-              <a:t>Tuesday, July 30, 2024</a:t>
+              <a:t>Friday, August 23, 2024</a:t>
             </a:fld>
             <a:endParaRPr lang="en-US"/>
           </a:p>
@@ -1816,7 +1816,7 @@
           <a:p>
             <a:fld id="{EE475572-4A44-4171-84AA-64D42C8050A6}" type="datetime2">
               <a:rPr lang="en-US" smtClean="0"/>
-              <a:t>Tuesday, July 30, 2024</a:t>
+              <a:t>Friday, August 23, 2024</a:t>
             </a:fld>
             <a:endParaRPr lang="en-US"/>
           </a:p>
@@ -1986,7 +1986,7 @@
           <a:p>
             <a:fld id="{C4C1612E-528E-4FD5-9E9E-E15F1108F171}" type="datetime2">
               <a:rPr lang="en-US" smtClean="0"/>
-              <a:t>Tuesday, July 30, 2024</a:t>
+              <a:t>Friday, August 23, 2024</a:t>
             </a:fld>
             <a:endParaRPr lang="en-US"/>
           </a:p>
@@ -2099,7 +2099,7 @@
           <a:p>
             <a:fld id="{D4F6D862-A06D-436F-A92E-EBAAD50B6E50}" type="datetime2">
               <a:rPr lang="en-US" smtClean="0"/>
-              <a:t>Tuesday, July 30, 2024</a:t>
+              <a:t>Friday, August 23, 2024</a:t>
             </a:fld>
             <a:endParaRPr lang="en-US"/>
           </a:p>
@@ -2416,7 +2416,7 @@
           <a:p>
             <a:fld id="{B73E0B7D-2260-4809-8F0A-9E5F3E24F169}" type="datetime2">
               <a:rPr lang="en-US" smtClean="0"/>
-              <a:t>Tuesday, July 30, 2024</a:t>
+              <a:t>Friday, August 23, 2024</a:t>
             </a:fld>
             <a:endParaRPr lang="en-US"/>
           </a:p>
@@ -2708,7 +2708,7 @@
           <a:p>
             <a:fld id="{3C8E4735-C637-46A3-94EB-AB3AC4188D2F}" type="datetime2">
               <a:rPr lang="en-US" smtClean="0"/>
-              <a:t>Tuesday, July 30, 2024</a:t>
+              <a:t>Friday, August 23, 2024</a:t>
             </a:fld>
             <a:endParaRPr lang="en-US"/>
           </a:p>
@@ -3076,7 +3076,7 @@
             <a:fld id="{AE0C963C-C1DB-4AFD-9DDC-0691666BF49B}" type="datetime2">
               <a:rPr lang="en-US" smtClean="0"/>
               <a:pPr/>
-              <a:t>Tuesday, July 30, 2024</a:t>
+              <a:t>Friday, August 23, 2024</a:t>
             </a:fld>
             <a:endParaRPr lang="en-US" cap="all" dirty="0"/>
           </a:p>
@@ -3607,15 +3607,8 @@
           <a:p>
             <a:pPr algn="l"/>
             <a:r>
-              <a:rPr lang="en-US"/>
-              <a:t>Machine Learning </a:t>
-            </a:r>
-            <a:br>
-              <a:rPr lang="en-US"/>
-            </a:br>
-            <a:r>
-              <a:rPr lang="en-US"/>
-              <a:t>101</a:t>
+              <a:rPr lang="en-US" dirty="0"/>
+              <a:t>101 Machine Learning</a:t>
             </a:r>
           </a:p>
         </p:txBody>
